--- a/icons/internal/about/about.pptx
+++ b/icons/internal/about/about.pptx
@@ -305,7 +305,7 @@
             <a:fld id="{1D8BD707-D9CF-40AE-B4C6-C98DA3205C09}" type="datetimeFigureOut">
               <a:rPr lang="en-US" smtClean="0"/>
               <a:pPr/>
-              <a:t>6/17/2014</a:t>
+              <a:t>6/18/2014</a:t>
             </a:fld>
             <a:endParaRPr lang="en-US"/>
           </a:p>
@@ -472,7 +472,7 @@
             <a:fld id="{1D8BD707-D9CF-40AE-B4C6-C98DA3205C09}" type="datetimeFigureOut">
               <a:rPr lang="en-US" smtClean="0"/>
               <a:pPr/>
-              <a:t>6/17/2014</a:t>
+              <a:t>6/18/2014</a:t>
             </a:fld>
             <a:endParaRPr lang="en-US"/>
           </a:p>
@@ -649,7 +649,7 @@
             <a:fld id="{1D8BD707-D9CF-40AE-B4C6-C98DA3205C09}" type="datetimeFigureOut">
               <a:rPr lang="en-US" smtClean="0"/>
               <a:pPr/>
-              <a:t>6/17/2014</a:t>
+              <a:t>6/18/2014</a:t>
             </a:fld>
             <a:endParaRPr lang="en-US"/>
           </a:p>
@@ -816,7 +816,7 @@
             <a:fld id="{1D8BD707-D9CF-40AE-B4C6-C98DA3205C09}" type="datetimeFigureOut">
               <a:rPr lang="en-US" smtClean="0"/>
               <a:pPr/>
-              <a:t>6/17/2014</a:t>
+              <a:t>6/18/2014</a:t>
             </a:fld>
             <a:endParaRPr lang="en-US"/>
           </a:p>
@@ -1059,7 +1059,7 @@
             <a:fld id="{1D8BD707-D9CF-40AE-B4C6-C98DA3205C09}" type="datetimeFigureOut">
               <a:rPr lang="en-US" smtClean="0"/>
               <a:pPr/>
-              <a:t>6/17/2014</a:t>
+              <a:t>6/18/2014</a:t>
             </a:fld>
             <a:endParaRPr lang="en-US"/>
           </a:p>
@@ -1344,7 +1344,7 @@
             <a:fld id="{1D8BD707-D9CF-40AE-B4C6-C98DA3205C09}" type="datetimeFigureOut">
               <a:rPr lang="en-US" smtClean="0"/>
               <a:pPr/>
-              <a:t>6/17/2014</a:t>
+              <a:t>6/18/2014</a:t>
             </a:fld>
             <a:endParaRPr lang="en-US"/>
           </a:p>
@@ -1763,7 +1763,7 @@
             <a:fld id="{1D8BD707-D9CF-40AE-B4C6-C98DA3205C09}" type="datetimeFigureOut">
               <a:rPr lang="en-US" smtClean="0"/>
               <a:pPr/>
-              <a:t>6/17/2014</a:t>
+              <a:t>6/18/2014</a:t>
             </a:fld>
             <a:endParaRPr lang="en-US"/>
           </a:p>
@@ -1878,7 +1878,7 @@
             <a:fld id="{1D8BD707-D9CF-40AE-B4C6-C98DA3205C09}" type="datetimeFigureOut">
               <a:rPr lang="en-US" smtClean="0"/>
               <a:pPr/>
-              <a:t>6/17/2014</a:t>
+              <a:t>6/18/2014</a:t>
             </a:fld>
             <a:endParaRPr lang="en-US"/>
           </a:p>
@@ -1970,7 +1970,7 @@
             <a:fld id="{1D8BD707-D9CF-40AE-B4C6-C98DA3205C09}" type="datetimeFigureOut">
               <a:rPr lang="en-US" smtClean="0"/>
               <a:pPr/>
-              <a:t>6/17/2014</a:t>
+              <a:t>6/18/2014</a:t>
             </a:fld>
             <a:endParaRPr lang="en-US"/>
           </a:p>
@@ -2244,7 +2244,7 @@
             <a:fld id="{1D8BD707-D9CF-40AE-B4C6-C98DA3205C09}" type="datetimeFigureOut">
               <a:rPr lang="en-US" smtClean="0"/>
               <a:pPr/>
-              <a:t>6/17/2014</a:t>
+              <a:t>6/18/2014</a:t>
             </a:fld>
             <a:endParaRPr lang="en-US"/>
           </a:p>
@@ -2494,7 +2494,7 @@
             <a:fld id="{1D8BD707-D9CF-40AE-B4C6-C98DA3205C09}" type="datetimeFigureOut">
               <a:rPr lang="en-US" smtClean="0"/>
               <a:pPr/>
-              <a:t>6/17/2014</a:t>
+              <a:t>6/18/2014</a:t>
             </a:fld>
             <a:endParaRPr lang="en-US"/>
           </a:p>
@@ -2704,7 +2704,7 @@
             <a:fld id="{1D8BD707-D9CF-40AE-B4C6-C98DA3205C09}" type="datetimeFigureOut">
               <a:rPr lang="en-US" smtClean="0"/>
               <a:pPr/>
-              <a:t>6/17/2014</a:t>
+              <a:t>6/18/2014</a:t>
             </a:fld>
             <a:endParaRPr lang="en-US"/>
           </a:p>
@@ -3122,9 +3122,9 @@
         <p:grpSpPr>
           <a:xfrm>
             <a:off x="2743200" y="960120"/>
-            <a:ext cx="12801600" cy="7470648"/>
+            <a:ext cx="12801600" cy="6825270"/>
             <a:chOff x="2743200" y="960120"/>
-            <a:chExt cx="12801600" cy="7470648"/>
+            <a:chExt cx="12801600" cy="6825270"/>
           </a:xfrm>
         </p:grpSpPr>
         <p:grpSp>
@@ -3231,7 +3231,7 @@
           <p:spPr>
             <a:xfrm>
               <a:off x="8979408" y="2029968"/>
-              <a:ext cx="6400800" cy="6400800"/>
+              <a:ext cx="6400800" cy="5755422"/>
             </a:xfrm>
             <a:prstGeom prst="rect">
               <a:avLst/>
@@ -3284,7 +3284,15 @@
                     <a:schemeClr val="bg1"/>
                   </a:solidFill>
                 </a:rPr>
-                <a:t>By: Kwabena W. Agyeman</a:t>
+                <a:t>By </a:t>
+              </a:r>
+              <a:r>
+                <a:rPr lang="en-US" sz="3000" dirty="0" smtClean="0">
+                  <a:solidFill>
+                    <a:schemeClr val="bg1"/>
+                  </a:solidFill>
+                </a:rPr>
+                <a:t>Kwabena W. Agyeman</a:t>
               </a:r>
             </a:p>
             <a:p>
